--- a/diagramme_includes.pptx
+++ b/diagramme_includes.pptx
@@ -5100,13 +5100,13 @@
         </p:spPr>
         <p:style>
           <a:lnRef idx="2">
-            <a:schemeClr val="dk1"/>
+            <a:schemeClr val="accent2"/>
           </a:lnRef>
           <a:fillRef idx="0">
-            <a:schemeClr val="dk1"/>
+            <a:schemeClr val="accent2"/>
           </a:fillRef>
           <a:effectRef idx="1">
-            <a:schemeClr val="dk1"/>
+            <a:schemeClr val="accent2"/>
           </a:effectRef>
           <a:fontRef idx="minor">
             <a:schemeClr val="tx1"/>
